--- a/docs/drawings.pptx
+++ b/docs/drawings.pptx
@@ -6,6 +6,8 @@
   </p:sldMasterIdLst>
   <p:sldIdLst>
     <p:sldId id="256" r:id="rId2"/>
+    <p:sldId id="257" r:id="rId3"/>
+    <p:sldId id="258" r:id="rId4"/>
   </p:sldIdLst>
   <p:sldSz cx="12192000" cy="6858000"/>
   <p:notesSz cx="6858000" cy="9144000"/>
@@ -104,6 +106,11 @@
       </a:defRPr>
     </a:lvl9pPr>
   </p:defaultTextStyle>
+  <p:extLst>
+    <p:ext uri="{EFAFB233-063F-42B5-8137-9DF3F51BA10A}">
+      <p15:sldGuideLst xmlns:p15="http://schemas.microsoft.com/office/powerpoint/2012/main"/>
+    </p:ext>
+  </p:extLst>
 </p:presentation>
 </file>
 
@@ -254,7 +261,7 @@
           <a:p>
             <a:fld id="{C8BF2974-8CD7-4B20-A8B0-349A857B1AD7}" type="datetimeFigureOut">
               <a:rPr lang="en-US" smtClean="0"/>
-              <a:t>4/12/2024</a:t>
+              <a:t>4/23/2025</a:t>
             </a:fld>
             <a:endParaRPr lang="en-US"/>
           </a:p>
@@ -452,7 +459,7 @@
           <a:p>
             <a:fld id="{C8BF2974-8CD7-4B20-A8B0-349A857B1AD7}" type="datetimeFigureOut">
               <a:rPr lang="en-US" smtClean="0"/>
-              <a:t>4/12/2024</a:t>
+              <a:t>4/23/2025</a:t>
             </a:fld>
             <a:endParaRPr lang="en-US"/>
           </a:p>
@@ -660,7 +667,7 @@
           <a:p>
             <a:fld id="{C8BF2974-8CD7-4B20-A8B0-349A857B1AD7}" type="datetimeFigureOut">
               <a:rPr lang="en-US" smtClean="0"/>
-              <a:t>4/12/2024</a:t>
+              <a:t>4/23/2025</a:t>
             </a:fld>
             <a:endParaRPr lang="en-US"/>
           </a:p>
@@ -858,7 +865,7 @@
           <a:p>
             <a:fld id="{C8BF2974-8CD7-4B20-A8B0-349A857B1AD7}" type="datetimeFigureOut">
               <a:rPr lang="en-US" smtClean="0"/>
-              <a:t>4/12/2024</a:t>
+              <a:t>4/23/2025</a:t>
             </a:fld>
             <a:endParaRPr lang="en-US"/>
           </a:p>
@@ -1133,7 +1140,7 @@
           <a:p>
             <a:fld id="{C8BF2974-8CD7-4B20-A8B0-349A857B1AD7}" type="datetimeFigureOut">
               <a:rPr lang="en-US" smtClean="0"/>
-              <a:t>4/12/2024</a:t>
+              <a:t>4/23/2025</a:t>
             </a:fld>
             <a:endParaRPr lang="en-US"/>
           </a:p>
@@ -1398,7 +1405,7 @@
           <a:p>
             <a:fld id="{C8BF2974-8CD7-4B20-A8B0-349A857B1AD7}" type="datetimeFigureOut">
               <a:rPr lang="en-US" smtClean="0"/>
-              <a:t>4/12/2024</a:t>
+              <a:t>4/23/2025</a:t>
             </a:fld>
             <a:endParaRPr lang="en-US"/>
           </a:p>
@@ -1810,7 +1817,7 @@
           <a:p>
             <a:fld id="{C8BF2974-8CD7-4B20-A8B0-349A857B1AD7}" type="datetimeFigureOut">
               <a:rPr lang="en-US" smtClean="0"/>
-              <a:t>4/12/2024</a:t>
+              <a:t>4/23/2025</a:t>
             </a:fld>
             <a:endParaRPr lang="en-US"/>
           </a:p>
@@ -1951,7 +1958,7 @@
           <a:p>
             <a:fld id="{C8BF2974-8CD7-4B20-A8B0-349A857B1AD7}" type="datetimeFigureOut">
               <a:rPr lang="en-US" smtClean="0"/>
-              <a:t>4/12/2024</a:t>
+              <a:t>4/23/2025</a:t>
             </a:fld>
             <a:endParaRPr lang="en-US"/>
           </a:p>
@@ -2064,7 +2071,7 @@
           <a:p>
             <a:fld id="{C8BF2974-8CD7-4B20-A8B0-349A857B1AD7}" type="datetimeFigureOut">
               <a:rPr lang="en-US" smtClean="0"/>
-              <a:t>4/12/2024</a:t>
+              <a:t>4/23/2025</a:t>
             </a:fld>
             <a:endParaRPr lang="en-US"/>
           </a:p>
@@ -2375,7 +2382,7 @@
           <a:p>
             <a:fld id="{C8BF2974-8CD7-4B20-A8B0-349A857B1AD7}" type="datetimeFigureOut">
               <a:rPr lang="en-US" smtClean="0"/>
-              <a:t>4/12/2024</a:t>
+              <a:t>4/23/2025</a:t>
             </a:fld>
             <a:endParaRPr lang="en-US"/>
           </a:p>
@@ -2663,7 +2670,7 @@
           <a:p>
             <a:fld id="{C8BF2974-8CD7-4B20-A8B0-349A857B1AD7}" type="datetimeFigureOut">
               <a:rPr lang="en-US" smtClean="0"/>
-              <a:t>4/12/2024</a:t>
+              <a:t>4/23/2025</a:t>
             </a:fld>
             <a:endParaRPr lang="en-US"/>
           </a:p>
@@ -2904,7 +2911,7 @@
           <a:p>
             <a:fld id="{C8BF2974-8CD7-4B20-A8B0-349A857B1AD7}" type="datetimeFigureOut">
               <a:rPr lang="en-US" smtClean="0"/>
-              <a:t>4/12/2024</a:t>
+              <a:t>4/23/2025</a:t>
             </a:fld>
             <a:endParaRPr lang="en-US"/>
           </a:p>
@@ -3364,6 +3371,1335 @@
 </p:sld>
 </file>
 
+<file path=ppt/slides/slide2.xml><?xml version="1.0" encoding="utf-8"?>
+<p:sld xmlns:a="http://schemas.openxmlformats.org/drawingml/2006/main" xmlns:r="http://schemas.openxmlformats.org/officeDocument/2006/relationships" xmlns:p="http://schemas.openxmlformats.org/presentationml/2006/main">
+  <p:cSld>
+    <p:spTree>
+      <p:nvGrpSpPr>
+        <p:cNvPr id="1" name=""/>
+        <p:cNvGrpSpPr/>
+        <p:nvPr/>
+      </p:nvGrpSpPr>
+      <p:grpSpPr>
+        <a:xfrm>
+          <a:off x="0" y="0"/>
+          <a:ext cx="0" cy="0"/>
+          <a:chOff x="0" y="0"/>
+          <a:chExt cx="0" cy="0"/>
+        </a:xfrm>
+      </p:grpSpPr>
+      <p:graphicFrame>
+        <p:nvGraphicFramePr>
+          <p:cNvPr id="2" name="Table 1">
+            <a:extLst>
+              <a:ext uri="{FF2B5EF4-FFF2-40B4-BE49-F238E27FC236}">
+                <a16:creationId xmlns:a16="http://schemas.microsoft.com/office/drawing/2014/main" id="{927E8186-AFB9-0931-F38D-8044CF668B95}"/>
+              </a:ext>
+            </a:extLst>
+          </p:cNvPr>
+          <p:cNvGraphicFramePr>
+            <a:graphicFrameLocks noGrp="1"/>
+          </p:cNvGraphicFramePr>
+          <p:nvPr>
+            <p:extLst>
+              <p:ext uri="{D42A27DB-BD31-4B8C-83A1-F6EECF244321}">
+                <p14:modId xmlns:p14="http://schemas.microsoft.com/office/powerpoint/2010/main" val="3552947336"/>
+              </p:ext>
+            </p:extLst>
+          </p:nvPr>
+        </p:nvGraphicFramePr>
+        <p:xfrm>
+          <a:off x="566270" y="840690"/>
+          <a:ext cx="10446871" cy="1564640"/>
+        </p:xfrm>
+        <a:graphic>
+          <a:graphicData uri="http://schemas.openxmlformats.org/drawingml/2006/table">
+            <a:tbl>
+              <a:tblPr firstRow="1" bandRow="1">
+                <a:tableStyleId>{5940675A-B579-460E-94D1-54222C63F5DA}</a:tableStyleId>
+              </a:tblPr>
+              <a:tblGrid>
+                <a:gridCol w="1847408">
+                  <a:extLst>
+                    <a:ext uri="{9D8B030D-6E8A-4147-A177-3AD203B41FA5}">
+                      <a16:colId xmlns:a16="http://schemas.microsoft.com/office/drawing/2014/main" val="2690800369"/>
+                    </a:ext>
+                  </a:extLst>
+                </a:gridCol>
+                <a:gridCol w="6474828">
+                  <a:extLst>
+                    <a:ext uri="{9D8B030D-6E8A-4147-A177-3AD203B41FA5}">
+                      <a16:colId xmlns:a16="http://schemas.microsoft.com/office/drawing/2014/main" val="1121239103"/>
+                    </a:ext>
+                  </a:extLst>
+                </a:gridCol>
+                <a:gridCol w="2124635">
+                  <a:extLst>
+                    <a:ext uri="{9D8B030D-6E8A-4147-A177-3AD203B41FA5}">
+                      <a16:colId xmlns:a16="http://schemas.microsoft.com/office/drawing/2014/main" val="1709415143"/>
+                    </a:ext>
+                  </a:extLst>
+                </a:gridCol>
+              </a:tblGrid>
+              <a:tr h="370840">
+                <a:tc rowSpan="2">
+                  <a:txBody>
+                    <a:bodyPr/>
+                    <a:lstStyle/>
+                    <a:p>
+                      <a:pPr algn="ctr"/>
+                      <a:r>
+                        <a:rPr lang="en-US" dirty="0"/>
+                        <a:t>Temperature</a:t>
+                      </a:r>
+                    </a:p>
+                  </a:txBody>
+                  <a:tcPr anchor="ctr"/>
+                </a:tc>
+                <a:tc gridSpan="2">
+                  <a:txBody>
+                    <a:bodyPr/>
+                    <a:lstStyle/>
+                    <a:p>
+                      <a:pPr algn="ctr"/>
+                      <a:r>
+                        <a:rPr lang="en-US" dirty="0"/>
+                        <a:t>Digital Output</a:t>
+                      </a:r>
+                    </a:p>
+                  </a:txBody>
+                  <a:tcPr/>
+                </a:tc>
+                <a:tc hMerge="1">
+                  <a:txBody>
+                    <a:bodyPr/>
+                    <a:lstStyle/>
+                    <a:p>
+                      <a:endParaRPr lang="en-US" dirty="0"/>
+                    </a:p>
+                  </a:txBody>
+                  <a:tcPr/>
+                </a:tc>
+                <a:extLst>
+                  <a:ext uri="{0D108BD9-81ED-4DB2-BD59-A6C34878D82A}">
+                    <a16:rowId xmlns:a16="http://schemas.microsoft.com/office/drawing/2014/main" val="3230623809"/>
+                  </a:ext>
+                </a:extLst>
+              </a:tr>
+              <a:tr h="370840">
+                <a:tc vMerge="1">
+                  <a:txBody>
+                    <a:bodyPr/>
+                    <a:lstStyle/>
+                    <a:p>
+                      <a:endParaRPr lang="en-US" dirty="0"/>
+                    </a:p>
+                  </a:txBody>
+                  <a:tcPr/>
+                </a:tc>
+                <a:tc>
+                  <a:txBody>
+                    <a:bodyPr/>
+                    <a:lstStyle/>
+                    <a:p>
+                      <a:pPr algn="ctr"/>
+                      <a:r>
+                        <a:rPr lang="en-US" dirty="0"/>
+                        <a:t>Binary  (11-bit Data)</a:t>
+                      </a:r>
+                    </a:p>
+                  </a:txBody>
+                  <a:tcPr/>
+                </a:tc>
+                <a:tc>
+                  <a:txBody>
+                    <a:bodyPr/>
+                    <a:lstStyle/>
+                    <a:p>
+                      <a:pPr algn="ctr"/>
+                      <a:r>
+                        <a:rPr lang="en-US" dirty="0"/>
+                        <a:t> Hex</a:t>
+                      </a:r>
+                    </a:p>
+                  </a:txBody>
+                  <a:tcPr/>
+                </a:tc>
+                <a:extLst>
+                  <a:ext uri="{0D108BD9-81ED-4DB2-BD59-A6C34878D82A}">
+                    <a16:rowId xmlns:a16="http://schemas.microsoft.com/office/drawing/2014/main" val="1105127910"/>
+                  </a:ext>
+                </a:extLst>
+              </a:tr>
+              <a:tr h="370840">
+                <a:tc>
+                  <a:txBody>
+                    <a:bodyPr/>
+                    <a:lstStyle/>
+                    <a:p>
+                      <a:r>
+                        <a:rPr lang="en-US" sz="4800" dirty="0"/>
+                        <a:t>+25°C</a:t>
+                      </a:r>
+                    </a:p>
+                  </a:txBody>
+                  <a:tcPr/>
+                </a:tc>
+                <a:tc>
+                  <a:txBody>
+                    <a:bodyPr/>
+                    <a:lstStyle/>
+                    <a:p>
+                      <a:pPr algn="ctr"/>
+                      <a:r>
+                        <a:rPr lang="en-US" sz="4800" dirty="0"/>
+                        <a:t>0000 1100 1001 1111</a:t>
+                      </a:r>
+                    </a:p>
+                  </a:txBody>
+                  <a:tcPr/>
+                </a:tc>
+                <a:tc>
+                  <a:txBody>
+                    <a:bodyPr/>
+                    <a:lstStyle/>
+                    <a:p>
+                      <a:r>
+                        <a:rPr lang="en-US" sz="4800" dirty="0"/>
+                        <a:t>0x0B9F</a:t>
+                      </a:r>
+                    </a:p>
+                  </a:txBody>
+                  <a:tcPr/>
+                </a:tc>
+                <a:extLst>
+                  <a:ext uri="{0D108BD9-81ED-4DB2-BD59-A6C34878D82A}">
+                    <a16:rowId xmlns:a16="http://schemas.microsoft.com/office/drawing/2014/main" val="1908887996"/>
+                  </a:ext>
+                </a:extLst>
+              </a:tr>
+            </a:tbl>
+          </a:graphicData>
+        </a:graphic>
+      </p:graphicFrame>
+      <p:grpSp>
+        <p:nvGrpSpPr>
+          <p:cNvPr id="17" name="Group 16">
+            <a:extLst>
+              <a:ext uri="{FF2B5EF4-FFF2-40B4-BE49-F238E27FC236}">
+                <a16:creationId xmlns:a16="http://schemas.microsoft.com/office/drawing/2014/main" id="{48C73CF4-B7B6-5D51-8D5E-ABC68693E0B3}"/>
+              </a:ext>
+            </a:extLst>
+          </p:cNvPr>
+          <p:cNvGrpSpPr/>
+          <p:nvPr/>
+        </p:nvGrpSpPr>
+        <p:grpSpPr>
+          <a:xfrm>
+            <a:off x="1558718" y="2184304"/>
+            <a:ext cx="9088135" cy="1073392"/>
+            <a:chOff x="1558718" y="2184304"/>
+            <a:chExt cx="9088135" cy="1073392"/>
+          </a:xfrm>
+        </p:grpSpPr>
+        <p:cxnSp>
+          <p:nvCxnSpPr>
+            <p:cNvPr id="4" name="Straight Arrow Connector 3">
+              <a:extLst>
+                <a:ext uri="{FF2B5EF4-FFF2-40B4-BE49-F238E27FC236}">
+                  <a16:creationId xmlns:a16="http://schemas.microsoft.com/office/drawing/2014/main" id="{6435093A-4A44-C58C-C5BE-72C6A45EB68F}"/>
+                </a:ext>
+              </a:extLst>
+            </p:cNvPr>
+            <p:cNvCxnSpPr>
+              <a:cxnSpLocks/>
+            </p:cNvCxnSpPr>
+            <p:nvPr/>
+          </p:nvCxnSpPr>
+          <p:spPr>
+            <a:xfrm flipV="1">
+              <a:off x="2286000" y="2184304"/>
+              <a:ext cx="618564" cy="524436"/>
+            </a:xfrm>
+            <a:prstGeom prst="straightConnector1">
+              <a:avLst/>
+            </a:prstGeom>
+            <a:ln>
+              <a:tailEnd type="triangle"/>
+            </a:ln>
+          </p:spPr>
+          <p:style>
+            <a:lnRef idx="2">
+              <a:schemeClr val="accent1"/>
+            </a:lnRef>
+            <a:fillRef idx="0">
+              <a:schemeClr val="accent1"/>
+            </a:fillRef>
+            <a:effectRef idx="1">
+              <a:schemeClr val="accent1"/>
+            </a:effectRef>
+            <a:fontRef idx="minor">
+              <a:schemeClr val="tx1"/>
+            </a:fontRef>
+          </p:style>
+        </p:cxnSp>
+        <p:sp>
+          <p:nvSpPr>
+            <p:cNvPr id="5" name="TextBox 4">
+              <a:extLst>
+                <a:ext uri="{FF2B5EF4-FFF2-40B4-BE49-F238E27FC236}">
+                  <a16:creationId xmlns:a16="http://schemas.microsoft.com/office/drawing/2014/main" id="{2A51C6BA-4500-8740-5B6E-4604EC347DA0}"/>
+                </a:ext>
+              </a:extLst>
+            </p:cNvPr>
+            <p:cNvSpPr txBox="1"/>
+            <p:nvPr/>
+          </p:nvSpPr>
+          <p:spPr>
+            <a:xfrm>
+              <a:off x="1558718" y="2657531"/>
+              <a:ext cx="998991" cy="400110"/>
+            </a:xfrm>
+            <a:prstGeom prst="rect">
+              <a:avLst/>
+            </a:prstGeom>
+            <a:noFill/>
+          </p:spPr>
+          <p:txBody>
+            <a:bodyPr wrap="none" rtlCol="0">
+              <a:spAutoFit/>
+            </a:bodyPr>
+            <a:lstStyle/>
+            <a:p>
+              <a:r>
+                <a:rPr lang="en-US" sz="2000" dirty="0"/>
+                <a:t>Sign bit</a:t>
+              </a:r>
+            </a:p>
+          </p:txBody>
+        </p:sp>
+        <p:sp>
+          <p:nvSpPr>
+            <p:cNvPr id="6" name="Right Brace 5">
+              <a:extLst>
+                <a:ext uri="{FF2B5EF4-FFF2-40B4-BE49-F238E27FC236}">
+                  <a16:creationId xmlns:a16="http://schemas.microsoft.com/office/drawing/2014/main" id="{FD53DDDE-3C29-F22F-A958-29C5775CDB1E}"/>
+                </a:ext>
+              </a:extLst>
+            </p:cNvPr>
+            <p:cNvSpPr/>
+            <p:nvPr/>
+          </p:nvSpPr>
+          <p:spPr>
+            <a:xfrm rot="5400000">
+              <a:off x="4449751" y="700116"/>
+              <a:ext cx="726144" cy="3713837"/>
+            </a:xfrm>
+            <a:prstGeom prst="rightBrace">
+              <a:avLst>
+                <a:gd name="adj1" fmla="val 50362"/>
+                <a:gd name="adj2" fmla="val 46808"/>
+              </a:avLst>
+            </a:prstGeom>
+          </p:spPr>
+          <p:style>
+            <a:lnRef idx="3">
+              <a:schemeClr val="accent3"/>
+            </a:lnRef>
+            <a:fillRef idx="0">
+              <a:schemeClr val="accent3"/>
+            </a:fillRef>
+            <a:effectRef idx="2">
+              <a:schemeClr val="accent3"/>
+            </a:effectRef>
+            <a:fontRef idx="minor">
+              <a:schemeClr val="tx1"/>
+            </a:fontRef>
+          </p:style>
+          <p:txBody>
+            <a:bodyPr rtlCol="0" anchor="ctr"/>
+            <a:lstStyle/>
+            <a:p>
+              <a:pPr algn="ctr"/>
+              <a:endParaRPr lang="en-US"/>
+            </a:p>
+          </p:txBody>
+        </p:sp>
+        <p:sp>
+          <p:nvSpPr>
+            <p:cNvPr id="8" name="TextBox 7">
+              <a:extLst>
+                <a:ext uri="{FF2B5EF4-FFF2-40B4-BE49-F238E27FC236}">
+                  <a16:creationId xmlns:a16="http://schemas.microsoft.com/office/drawing/2014/main" id="{5CCA785D-7EF3-4D98-05D0-5675928CED53}"/>
+                </a:ext>
+              </a:extLst>
+            </p:cNvPr>
+            <p:cNvSpPr txBox="1"/>
+            <p:nvPr/>
+          </p:nvSpPr>
+          <p:spPr>
+            <a:xfrm>
+              <a:off x="4121800" y="2857586"/>
+              <a:ext cx="1382045" cy="400110"/>
+            </a:xfrm>
+            <a:prstGeom prst="rect">
+              <a:avLst/>
+            </a:prstGeom>
+            <a:noFill/>
+          </p:spPr>
+          <p:txBody>
+            <a:bodyPr wrap="none" rtlCol="0">
+              <a:spAutoFit/>
+            </a:bodyPr>
+            <a:lstStyle/>
+            <a:p>
+              <a:r>
+                <a:rPr lang="en-US" sz="2000" dirty="0"/>
+                <a:t>11-bit data</a:t>
+              </a:r>
+            </a:p>
+          </p:txBody>
+        </p:sp>
+        <p:cxnSp>
+          <p:nvCxnSpPr>
+            <p:cNvPr id="10" name="Straight Arrow Connector 9">
+              <a:extLst>
+                <a:ext uri="{FF2B5EF4-FFF2-40B4-BE49-F238E27FC236}">
+                  <a16:creationId xmlns:a16="http://schemas.microsoft.com/office/drawing/2014/main" id="{230E1D2F-1047-7D4A-E189-FAE510E57E90}"/>
+                </a:ext>
+              </a:extLst>
+            </p:cNvPr>
+            <p:cNvCxnSpPr>
+              <a:cxnSpLocks/>
+              <a:endCxn id="11" idx="1"/>
+            </p:cNvCxnSpPr>
+            <p:nvPr/>
+          </p:nvCxnSpPr>
+          <p:spPr>
+            <a:xfrm>
+              <a:off x="6548718" y="2184304"/>
+              <a:ext cx="3160058" cy="865049"/>
+            </a:xfrm>
+            <a:prstGeom prst="straightConnector1">
+              <a:avLst/>
+            </a:prstGeom>
+            <a:ln>
+              <a:tailEnd type="triangle"/>
+            </a:ln>
+          </p:spPr>
+          <p:style>
+            <a:lnRef idx="2">
+              <a:schemeClr val="accent1"/>
+            </a:lnRef>
+            <a:fillRef idx="0">
+              <a:schemeClr val="accent1"/>
+            </a:fillRef>
+            <a:effectRef idx="1">
+              <a:schemeClr val="accent1"/>
+            </a:effectRef>
+            <a:fontRef idx="minor">
+              <a:schemeClr val="tx1"/>
+            </a:fontRef>
+          </p:style>
+        </p:cxnSp>
+        <p:sp>
+          <p:nvSpPr>
+            <p:cNvPr id="11" name="TextBox 10">
+              <a:extLst>
+                <a:ext uri="{FF2B5EF4-FFF2-40B4-BE49-F238E27FC236}">
+                  <a16:creationId xmlns:a16="http://schemas.microsoft.com/office/drawing/2014/main" id="{6E69869F-93E1-7462-8DA8-98EBCAED4769}"/>
+                </a:ext>
+              </a:extLst>
+            </p:cNvPr>
+            <p:cNvSpPr txBox="1"/>
+            <p:nvPr/>
+          </p:nvSpPr>
+          <p:spPr>
+            <a:xfrm>
+              <a:off x="9708776" y="2849298"/>
+              <a:ext cx="938077" cy="400110"/>
+            </a:xfrm>
+            <a:prstGeom prst="rect">
+              <a:avLst/>
+            </a:prstGeom>
+            <a:noFill/>
+          </p:spPr>
+          <p:txBody>
+            <a:bodyPr wrap="none" rtlCol="0">
+              <a:spAutoFit/>
+            </a:bodyPr>
+            <a:lstStyle/>
+            <a:p>
+              <a:r>
+                <a:rPr lang="en-US" sz="2000" dirty="0"/>
+                <a:t>0.25°C</a:t>
+              </a:r>
+            </a:p>
+          </p:txBody>
+        </p:sp>
+        <p:cxnSp>
+          <p:nvCxnSpPr>
+            <p:cNvPr id="14" name="Straight Arrow Connector 13">
+              <a:extLst>
+                <a:ext uri="{FF2B5EF4-FFF2-40B4-BE49-F238E27FC236}">
+                  <a16:creationId xmlns:a16="http://schemas.microsoft.com/office/drawing/2014/main" id="{13529FD6-DDAC-AFB5-CC90-B0052D48AB2B}"/>
+                </a:ext>
+              </a:extLst>
+            </p:cNvPr>
+            <p:cNvCxnSpPr>
+              <a:cxnSpLocks/>
+            </p:cNvCxnSpPr>
+            <p:nvPr/>
+          </p:nvCxnSpPr>
+          <p:spPr>
+            <a:xfrm>
+              <a:off x="5529466" y="2193962"/>
+              <a:ext cx="1580029" cy="726145"/>
+            </a:xfrm>
+            <a:prstGeom prst="straightConnector1">
+              <a:avLst/>
+            </a:prstGeom>
+            <a:ln>
+              <a:tailEnd type="triangle"/>
+            </a:ln>
+          </p:spPr>
+          <p:style>
+            <a:lnRef idx="2">
+              <a:schemeClr val="accent1"/>
+            </a:lnRef>
+            <a:fillRef idx="0">
+              <a:schemeClr val="accent1"/>
+            </a:fillRef>
+            <a:effectRef idx="1">
+              <a:schemeClr val="accent1"/>
+            </a:effectRef>
+            <a:fontRef idx="minor">
+              <a:schemeClr val="tx1"/>
+            </a:fontRef>
+          </p:style>
+        </p:cxnSp>
+        <p:sp>
+          <p:nvSpPr>
+            <p:cNvPr id="16" name="TextBox 15">
+              <a:extLst>
+                <a:ext uri="{FF2B5EF4-FFF2-40B4-BE49-F238E27FC236}">
+                  <a16:creationId xmlns:a16="http://schemas.microsoft.com/office/drawing/2014/main" id="{3FFCD05D-FDD6-741F-F2F3-4DC92E1F7C71}"/>
+                </a:ext>
+              </a:extLst>
+            </p:cNvPr>
+            <p:cNvSpPr txBox="1"/>
+            <p:nvPr/>
+          </p:nvSpPr>
+          <p:spPr>
+            <a:xfrm>
+              <a:off x="6942751" y="2857586"/>
+              <a:ext cx="591829" cy="400110"/>
+            </a:xfrm>
+            <a:prstGeom prst="rect">
+              <a:avLst/>
+            </a:prstGeom>
+            <a:noFill/>
+          </p:spPr>
+          <p:txBody>
+            <a:bodyPr wrap="none" rtlCol="0">
+              <a:spAutoFit/>
+            </a:bodyPr>
+            <a:lstStyle/>
+            <a:p>
+              <a:r>
+                <a:rPr lang="en-US" sz="2000" dirty="0"/>
+                <a:t>2°C</a:t>
+              </a:r>
+            </a:p>
+          </p:txBody>
+        </p:sp>
+      </p:grpSp>
+    </p:spTree>
+    <p:extLst>
+      <p:ext uri="{BB962C8B-B14F-4D97-AF65-F5344CB8AC3E}">
+        <p14:creationId xmlns:p14="http://schemas.microsoft.com/office/powerpoint/2010/main" val="1785050629"/>
+      </p:ext>
+    </p:extLst>
+  </p:cSld>
+  <p:clrMapOvr>
+    <a:masterClrMapping/>
+  </p:clrMapOvr>
+</p:sld>
+</file>
+
+<file path=ppt/slides/slide3.xml><?xml version="1.0" encoding="utf-8"?>
+<p:sld xmlns:a="http://schemas.openxmlformats.org/drawingml/2006/main" xmlns:r="http://schemas.openxmlformats.org/officeDocument/2006/relationships" xmlns:p="http://schemas.openxmlformats.org/presentationml/2006/main">
+  <p:cSld>
+    <p:spTree>
+      <p:nvGrpSpPr>
+        <p:cNvPr id="1" name=""/>
+        <p:cNvGrpSpPr/>
+        <p:nvPr/>
+      </p:nvGrpSpPr>
+      <p:grpSpPr>
+        <a:xfrm>
+          <a:off x="0" y="0"/>
+          <a:ext cx="0" cy="0"/>
+          <a:chOff x="0" y="0"/>
+          <a:chExt cx="0" cy="0"/>
+        </a:xfrm>
+      </p:grpSpPr>
+      <p:grpSp>
+        <p:nvGrpSpPr>
+          <p:cNvPr id="30" name="Group 29">
+            <a:extLst>
+              <a:ext uri="{FF2B5EF4-FFF2-40B4-BE49-F238E27FC236}">
+                <a16:creationId xmlns:a16="http://schemas.microsoft.com/office/drawing/2014/main" id="{2EB8A35C-9804-89A4-5EB9-06522FACA138}"/>
+              </a:ext>
+            </a:extLst>
+          </p:cNvPr>
+          <p:cNvGrpSpPr/>
+          <p:nvPr/>
+        </p:nvGrpSpPr>
+        <p:grpSpPr>
+          <a:xfrm>
+            <a:off x="0" y="422099"/>
+            <a:ext cx="12192000" cy="2478900"/>
+            <a:chOff x="0" y="422099"/>
+            <a:chExt cx="12192000" cy="2478900"/>
+          </a:xfrm>
+        </p:grpSpPr>
+        <p:pic>
+          <p:nvPicPr>
+            <p:cNvPr id="3" name="Picture 2">
+              <a:extLst>
+                <a:ext uri="{FF2B5EF4-FFF2-40B4-BE49-F238E27FC236}">
+                  <a16:creationId xmlns:a16="http://schemas.microsoft.com/office/drawing/2014/main" id="{C0DF3A4C-8DDC-FB90-2963-9AE14988F57A}"/>
+                </a:ext>
+              </a:extLst>
+            </p:cNvPr>
+            <p:cNvPicPr>
+              <a:picLocks noChangeAspect="1"/>
+            </p:cNvPicPr>
+            <p:nvPr/>
+          </p:nvPicPr>
+          <p:blipFill>
+            <a:blip r:embed="rId2"/>
+            <a:stretch>
+              <a:fillRect/>
+            </a:stretch>
+          </p:blipFill>
+          <p:spPr>
+            <a:xfrm>
+              <a:off x="0" y="422099"/>
+              <a:ext cx="12192000" cy="1355537"/>
+            </a:xfrm>
+            <a:prstGeom prst="rect">
+              <a:avLst/>
+            </a:prstGeom>
+          </p:spPr>
+        </p:pic>
+        <p:cxnSp>
+          <p:nvCxnSpPr>
+            <p:cNvPr id="5" name="Straight Arrow Connector 4">
+              <a:extLst>
+                <a:ext uri="{FF2B5EF4-FFF2-40B4-BE49-F238E27FC236}">
+                  <a16:creationId xmlns:a16="http://schemas.microsoft.com/office/drawing/2014/main" id="{8BE14189-5C27-EC90-05C0-90900C6DD8C2}"/>
+                </a:ext>
+              </a:extLst>
+            </p:cNvPr>
+            <p:cNvCxnSpPr/>
+            <p:nvPr/>
+          </p:nvCxnSpPr>
+          <p:spPr>
+            <a:xfrm>
+              <a:off x="1311215" y="1889185"/>
+              <a:ext cx="1475117" cy="0"/>
+            </a:xfrm>
+            <a:prstGeom prst="straightConnector1">
+              <a:avLst/>
+            </a:prstGeom>
+            <a:ln w="19050" cap="flat" cmpd="sng" algn="ctr">
+              <a:solidFill>
+                <a:schemeClr val="accent1"/>
+              </a:solidFill>
+              <a:prstDash val="solid"/>
+              <a:round/>
+              <a:headEnd type="arrow" w="med" len="med"/>
+              <a:tailEnd type="arrow" w="med" len="med"/>
+            </a:ln>
+          </p:spPr>
+          <p:style>
+            <a:lnRef idx="0">
+              <a:scrgbClr r="0" g="0" b="0"/>
+            </a:lnRef>
+            <a:fillRef idx="0">
+              <a:scrgbClr r="0" g="0" b="0"/>
+            </a:fillRef>
+            <a:effectRef idx="0">
+              <a:scrgbClr r="0" g="0" b="0"/>
+            </a:effectRef>
+            <a:fontRef idx="minor">
+              <a:schemeClr val="tx1"/>
+            </a:fontRef>
+          </p:style>
+        </p:cxnSp>
+        <p:sp>
+          <p:nvSpPr>
+            <p:cNvPr id="6" name="TextBox 5">
+              <a:extLst>
+                <a:ext uri="{FF2B5EF4-FFF2-40B4-BE49-F238E27FC236}">
+                  <a16:creationId xmlns:a16="http://schemas.microsoft.com/office/drawing/2014/main" id="{97D03B07-1576-624B-9D79-A2D89A114124}"/>
+                </a:ext>
+              </a:extLst>
+            </p:cNvPr>
+            <p:cNvSpPr txBox="1"/>
+            <p:nvPr/>
+          </p:nvSpPr>
+          <p:spPr>
+            <a:xfrm>
+              <a:off x="1371600" y="1889185"/>
+              <a:ext cx="1392561" cy="369332"/>
+            </a:xfrm>
+            <a:prstGeom prst="rect">
+              <a:avLst/>
+            </a:prstGeom>
+            <a:noFill/>
+          </p:spPr>
+          <p:txBody>
+            <a:bodyPr wrap="none" rtlCol="0">
+              <a:spAutoFit/>
+            </a:bodyPr>
+            <a:lstStyle/>
+            <a:p>
+              <a:r>
+                <a:rPr lang="en-US" dirty="0"/>
+                <a:t>4-clk “</a:t>
+              </a:r>
+              <a:r>
+                <a:rPr lang="en-US" b="1" dirty="0">
+                  <a:latin typeface="Aptos Display" panose="020B0004020202020204" pitchFamily="34" charset="0"/>
+                </a:rPr>
+                <a:t>IDLE”</a:t>
+              </a:r>
+            </a:p>
+          </p:txBody>
+        </p:sp>
+        <p:cxnSp>
+          <p:nvCxnSpPr>
+            <p:cNvPr id="7" name="Straight Arrow Connector 6">
+              <a:extLst>
+                <a:ext uri="{FF2B5EF4-FFF2-40B4-BE49-F238E27FC236}">
+                  <a16:creationId xmlns:a16="http://schemas.microsoft.com/office/drawing/2014/main" id="{39043592-DBA1-501B-1CF9-ECBCB524BF3E}"/>
+                </a:ext>
+              </a:extLst>
+            </p:cNvPr>
+            <p:cNvCxnSpPr>
+              <a:cxnSpLocks/>
+            </p:cNvCxnSpPr>
+            <p:nvPr/>
+          </p:nvCxnSpPr>
+          <p:spPr>
+            <a:xfrm>
+              <a:off x="2786332" y="1889185"/>
+              <a:ext cx="4744528" cy="0"/>
+            </a:xfrm>
+            <a:prstGeom prst="straightConnector1">
+              <a:avLst/>
+            </a:prstGeom>
+            <a:ln w="19050" cap="flat" cmpd="sng" algn="ctr">
+              <a:solidFill>
+                <a:schemeClr val="accent1"/>
+              </a:solidFill>
+              <a:prstDash val="solid"/>
+              <a:round/>
+              <a:headEnd type="arrow" w="med" len="med"/>
+              <a:tailEnd type="arrow" w="med" len="med"/>
+            </a:ln>
+          </p:spPr>
+          <p:style>
+            <a:lnRef idx="0">
+              <a:scrgbClr r="0" g="0" b="0"/>
+            </a:lnRef>
+            <a:fillRef idx="0">
+              <a:scrgbClr r="0" g="0" b="0"/>
+            </a:fillRef>
+            <a:effectRef idx="0">
+              <a:scrgbClr r="0" g="0" b="0"/>
+            </a:effectRef>
+            <a:fontRef idx="minor">
+              <a:schemeClr val="tx1"/>
+            </a:fontRef>
+          </p:style>
+        </p:cxnSp>
+        <p:sp>
+          <p:nvSpPr>
+            <p:cNvPr id="9" name="TextBox 8">
+              <a:extLst>
+                <a:ext uri="{FF2B5EF4-FFF2-40B4-BE49-F238E27FC236}">
+                  <a16:creationId xmlns:a16="http://schemas.microsoft.com/office/drawing/2014/main" id="{7E1F001A-6F3C-A43B-EE5C-C361EBB760A4}"/>
+                </a:ext>
+              </a:extLst>
+            </p:cNvPr>
+            <p:cNvSpPr txBox="1"/>
+            <p:nvPr/>
+          </p:nvSpPr>
+          <p:spPr>
+            <a:xfrm>
+              <a:off x="3953073" y="1889185"/>
+              <a:ext cx="2411045" cy="369332"/>
+            </a:xfrm>
+            <a:prstGeom prst="rect">
+              <a:avLst/>
+            </a:prstGeom>
+            <a:noFill/>
+          </p:spPr>
+          <p:txBody>
+            <a:bodyPr wrap="none" rtlCol="0">
+              <a:spAutoFit/>
+            </a:bodyPr>
+            <a:lstStyle/>
+            <a:p>
+              <a:r>
+                <a:rPr lang="en-US" dirty="0"/>
+                <a:t>16-clk (8-SCK) “</a:t>
+              </a:r>
+              <a:r>
+                <a:rPr lang="en-US" b="1" dirty="0">
+                  <a:latin typeface="Aptos Display" panose="020B0004020202020204" pitchFamily="34" charset="0"/>
+                </a:rPr>
+                <a:t>READ”</a:t>
+              </a:r>
+            </a:p>
+          </p:txBody>
+        </p:sp>
+        <p:cxnSp>
+          <p:nvCxnSpPr>
+            <p:cNvPr id="10" name="Straight Arrow Connector 9">
+              <a:extLst>
+                <a:ext uri="{FF2B5EF4-FFF2-40B4-BE49-F238E27FC236}">
+                  <a16:creationId xmlns:a16="http://schemas.microsoft.com/office/drawing/2014/main" id="{2F16871D-34A2-F642-DB49-08B33C2F1FAD}"/>
+                </a:ext>
+              </a:extLst>
+            </p:cNvPr>
+            <p:cNvCxnSpPr>
+              <a:cxnSpLocks/>
+            </p:cNvCxnSpPr>
+            <p:nvPr/>
+          </p:nvCxnSpPr>
+          <p:spPr>
+            <a:xfrm>
+              <a:off x="7530860" y="1889185"/>
+              <a:ext cx="586597" cy="0"/>
+            </a:xfrm>
+            <a:prstGeom prst="straightConnector1">
+              <a:avLst/>
+            </a:prstGeom>
+            <a:ln w="19050" cap="flat" cmpd="sng" algn="ctr">
+              <a:solidFill>
+                <a:schemeClr val="accent1"/>
+              </a:solidFill>
+              <a:prstDash val="solid"/>
+              <a:round/>
+              <a:headEnd type="arrow" w="med" len="med"/>
+              <a:tailEnd type="arrow" w="med" len="med"/>
+            </a:ln>
+          </p:spPr>
+          <p:style>
+            <a:lnRef idx="0">
+              <a:scrgbClr r="0" g="0" b="0"/>
+            </a:lnRef>
+            <a:fillRef idx="0">
+              <a:scrgbClr r="0" g="0" b="0"/>
+            </a:fillRef>
+            <a:effectRef idx="0">
+              <a:scrgbClr r="0" g="0" b="0"/>
+            </a:effectRef>
+            <a:fontRef idx="minor">
+              <a:schemeClr val="tx1"/>
+            </a:fontRef>
+          </p:style>
+        </p:cxnSp>
+        <p:cxnSp>
+          <p:nvCxnSpPr>
+            <p:cNvPr id="13" name="Straight Connector 12">
+              <a:extLst>
+                <a:ext uri="{FF2B5EF4-FFF2-40B4-BE49-F238E27FC236}">
+                  <a16:creationId xmlns:a16="http://schemas.microsoft.com/office/drawing/2014/main" id="{A0A53F25-44F6-FB93-82E5-6317548485AD}"/>
+                </a:ext>
+              </a:extLst>
+            </p:cNvPr>
+            <p:cNvCxnSpPr/>
+            <p:nvPr/>
+          </p:nvCxnSpPr>
+          <p:spPr>
+            <a:xfrm>
+              <a:off x="1311215" y="1777636"/>
+              <a:ext cx="0" cy="775783"/>
+            </a:xfrm>
+            <a:prstGeom prst="line">
+              <a:avLst/>
+            </a:prstGeom>
+          </p:spPr>
+          <p:style>
+            <a:lnRef idx="2">
+              <a:schemeClr val="accent1"/>
+            </a:lnRef>
+            <a:fillRef idx="0">
+              <a:schemeClr val="accent1"/>
+            </a:fillRef>
+            <a:effectRef idx="1">
+              <a:schemeClr val="accent1"/>
+            </a:effectRef>
+            <a:fontRef idx="minor">
+              <a:schemeClr val="tx1"/>
+            </a:fontRef>
+          </p:style>
+        </p:cxnSp>
+        <p:cxnSp>
+          <p:nvCxnSpPr>
+            <p:cNvPr id="14" name="Straight Connector 13">
+              <a:extLst>
+                <a:ext uri="{FF2B5EF4-FFF2-40B4-BE49-F238E27FC236}">
+                  <a16:creationId xmlns:a16="http://schemas.microsoft.com/office/drawing/2014/main" id="{30E5C7C2-8087-4BB3-7680-8FACEA144CB0}"/>
+                </a:ext>
+              </a:extLst>
+            </p:cNvPr>
+            <p:cNvCxnSpPr/>
+            <p:nvPr/>
+          </p:nvCxnSpPr>
+          <p:spPr>
+            <a:xfrm>
+              <a:off x="2798667" y="1777636"/>
+              <a:ext cx="0" cy="775783"/>
+            </a:xfrm>
+            <a:prstGeom prst="line">
+              <a:avLst/>
+            </a:prstGeom>
+          </p:spPr>
+          <p:style>
+            <a:lnRef idx="2">
+              <a:schemeClr val="accent1"/>
+            </a:lnRef>
+            <a:fillRef idx="0">
+              <a:schemeClr val="accent1"/>
+            </a:fillRef>
+            <a:effectRef idx="1">
+              <a:schemeClr val="accent1"/>
+            </a:effectRef>
+            <a:fontRef idx="minor">
+              <a:schemeClr val="tx1"/>
+            </a:fontRef>
+          </p:style>
+        </p:cxnSp>
+        <p:cxnSp>
+          <p:nvCxnSpPr>
+            <p:cNvPr id="15" name="Straight Connector 14">
+              <a:extLst>
+                <a:ext uri="{FF2B5EF4-FFF2-40B4-BE49-F238E27FC236}">
+                  <a16:creationId xmlns:a16="http://schemas.microsoft.com/office/drawing/2014/main" id="{8EF58EF4-D323-6FF8-FDA5-51E2F1FF5531}"/>
+                </a:ext>
+              </a:extLst>
+            </p:cNvPr>
+            <p:cNvCxnSpPr/>
+            <p:nvPr/>
+          </p:nvCxnSpPr>
+          <p:spPr>
+            <a:xfrm>
+              <a:off x="7530860" y="1777636"/>
+              <a:ext cx="0" cy="775783"/>
+            </a:xfrm>
+            <a:prstGeom prst="line">
+              <a:avLst/>
+            </a:prstGeom>
+          </p:spPr>
+          <p:style>
+            <a:lnRef idx="2">
+              <a:schemeClr val="accent1"/>
+            </a:lnRef>
+            <a:fillRef idx="0">
+              <a:schemeClr val="accent1"/>
+            </a:fillRef>
+            <a:effectRef idx="1">
+              <a:schemeClr val="accent1"/>
+            </a:effectRef>
+            <a:fontRef idx="minor">
+              <a:schemeClr val="tx1"/>
+            </a:fontRef>
+          </p:style>
+        </p:cxnSp>
+        <p:cxnSp>
+          <p:nvCxnSpPr>
+            <p:cNvPr id="16" name="Straight Connector 15">
+              <a:extLst>
+                <a:ext uri="{FF2B5EF4-FFF2-40B4-BE49-F238E27FC236}">
+                  <a16:creationId xmlns:a16="http://schemas.microsoft.com/office/drawing/2014/main" id="{CA1A4A18-B3EF-6FD0-D2AE-F7B0EC684891}"/>
+                </a:ext>
+              </a:extLst>
+            </p:cNvPr>
+            <p:cNvCxnSpPr/>
+            <p:nvPr/>
+          </p:nvCxnSpPr>
+          <p:spPr>
+            <a:xfrm>
+              <a:off x="8117457" y="1777635"/>
+              <a:ext cx="0" cy="775783"/>
+            </a:xfrm>
+            <a:prstGeom prst="line">
+              <a:avLst/>
+            </a:prstGeom>
+          </p:spPr>
+          <p:style>
+            <a:lnRef idx="2">
+              <a:schemeClr val="accent1"/>
+            </a:lnRef>
+            <a:fillRef idx="0">
+              <a:schemeClr val="accent1"/>
+            </a:fillRef>
+            <a:effectRef idx="1">
+              <a:schemeClr val="accent1"/>
+            </a:effectRef>
+            <a:fontRef idx="minor">
+              <a:schemeClr val="tx1"/>
+            </a:fontRef>
+          </p:style>
+        </p:cxnSp>
+        <p:cxnSp>
+          <p:nvCxnSpPr>
+            <p:cNvPr id="17" name="Straight Arrow Connector 16">
+              <a:extLst>
+                <a:ext uri="{FF2B5EF4-FFF2-40B4-BE49-F238E27FC236}">
+                  <a16:creationId xmlns:a16="http://schemas.microsoft.com/office/drawing/2014/main" id="{217C0339-1B08-2C78-A928-17F5CE4F6E68}"/>
+                </a:ext>
+              </a:extLst>
+            </p:cNvPr>
+            <p:cNvCxnSpPr>
+              <a:cxnSpLocks/>
+            </p:cNvCxnSpPr>
+            <p:nvPr/>
+          </p:nvCxnSpPr>
+          <p:spPr>
+            <a:xfrm>
+              <a:off x="8117457" y="1889185"/>
+              <a:ext cx="353683" cy="0"/>
+            </a:xfrm>
+            <a:prstGeom prst="straightConnector1">
+              <a:avLst/>
+            </a:prstGeom>
+            <a:ln w="19050" cap="flat" cmpd="sng" algn="ctr">
+              <a:solidFill>
+                <a:schemeClr val="accent1"/>
+              </a:solidFill>
+              <a:prstDash val="solid"/>
+              <a:round/>
+              <a:headEnd type="arrow" w="med" len="med"/>
+              <a:tailEnd type="arrow" w="med" len="med"/>
+            </a:ln>
+          </p:spPr>
+          <p:style>
+            <a:lnRef idx="0">
+              <a:scrgbClr r="0" g="0" b="0"/>
+            </a:lnRef>
+            <a:fillRef idx="0">
+              <a:scrgbClr r="0" g="0" b="0"/>
+            </a:fillRef>
+            <a:effectRef idx="0">
+              <a:scrgbClr r="0" g="0" b="0"/>
+            </a:effectRef>
+            <a:fontRef idx="minor">
+              <a:schemeClr val="tx1"/>
+            </a:fontRef>
+          </p:style>
+        </p:cxnSp>
+        <p:cxnSp>
+          <p:nvCxnSpPr>
+            <p:cNvPr id="19" name="Straight Connector 18">
+              <a:extLst>
+                <a:ext uri="{FF2B5EF4-FFF2-40B4-BE49-F238E27FC236}">
+                  <a16:creationId xmlns:a16="http://schemas.microsoft.com/office/drawing/2014/main" id="{4CAF824A-104B-7434-73CD-6F1918348493}"/>
+                </a:ext>
+              </a:extLst>
+            </p:cNvPr>
+            <p:cNvCxnSpPr/>
+            <p:nvPr/>
+          </p:nvCxnSpPr>
+          <p:spPr>
+            <a:xfrm>
+              <a:off x="8471140" y="1777635"/>
+              <a:ext cx="0" cy="775783"/>
+            </a:xfrm>
+            <a:prstGeom prst="line">
+              <a:avLst/>
+            </a:prstGeom>
+          </p:spPr>
+          <p:style>
+            <a:lnRef idx="2">
+              <a:schemeClr val="accent1"/>
+            </a:lnRef>
+            <a:fillRef idx="0">
+              <a:schemeClr val="accent1"/>
+            </a:fillRef>
+            <a:effectRef idx="1">
+              <a:schemeClr val="accent1"/>
+            </a:effectRef>
+            <a:fontRef idx="minor">
+              <a:schemeClr val="tx1"/>
+            </a:fontRef>
+          </p:style>
+        </p:cxnSp>
+        <p:cxnSp>
+          <p:nvCxnSpPr>
+            <p:cNvPr id="20" name="Straight Arrow Connector 19">
+              <a:extLst>
+                <a:ext uri="{FF2B5EF4-FFF2-40B4-BE49-F238E27FC236}">
+                  <a16:creationId xmlns:a16="http://schemas.microsoft.com/office/drawing/2014/main" id="{9D3C2A61-34D4-7A79-447C-1397F4647FAE}"/>
+                </a:ext>
+              </a:extLst>
+            </p:cNvPr>
+            <p:cNvCxnSpPr>
+              <a:cxnSpLocks/>
+            </p:cNvCxnSpPr>
+            <p:nvPr/>
+          </p:nvCxnSpPr>
+          <p:spPr>
+            <a:xfrm>
+              <a:off x="8471140" y="1889185"/>
+              <a:ext cx="1470001" cy="0"/>
+            </a:xfrm>
+            <a:prstGeom prst="straightConnector1">
+              <a:avLst/>
+            </a:prstGeom>
+            <a:ln w="19050" cap="flat" cmpd="sng" algn="ctr">
+              <a:solidFill>
+                <a:schemeClr val="accent1"/>
+              </a:solidFill>
+              <a:prstDash val="solid"/>
+              <a:round/>
+              <a:headEnd type="arrow" w="med" len="med"/>
+              <a:tailEnd type="arrow" w="med" len="med"/>
+            </a:ln>
+          </p:spPr>
+          <p:style>
+            <a:lnRef idx="0">
+              <a:scrgbClr r="0" g="0" b="0"/>
+            </a:lnRef>
+            <a:fillRef idx="0">
+              <a:scrgbClr r="0" g="0" b="0"/>
+            </a:fillRef>
+            <a:effectRef idx="0">
+              <a:scrgbClr r="0" g="0" b="0"/>
+            </a:effectRef>
+            <a:fontRef idx="minor">
+              <a:schemeClr val="tx1"/>
+            </a:fontRef>
+          </p:style>
+        </p:cxnSp>
+        <p:cxnSp>
+          <p:nvCxnSpPr>
+            <p:cNvPr id="24" name="Straight Connector 23">
+              <a:extLst>
+                <a:ext uri="{FF2B5EF4-FFF2-40B4-BE49-F238E27FC236}">
+                  <a16:creationId xmlns:a16="http://schemas.microsoft.com/office/drawing/2014/main" id="{68EBA26D-0DA1-2717-40B7-669D0C4B3E8F}"/>
+                </a:ext>
+              </a:extLst>
+            </p:cNvPr>
+            <p:cNvCxnSpPr/>
+            <p:nvPr/>
+          </p:nvCxnSpPr>
+          <p:spPr>
+            <a:xfrm>
+              <a:off x="9941141" y="1777635"/>
+              <a:ext cx="0" cy="775783"/>
+            </a:xfrm>
+            <a:prstGeom prst="line">
+              <a:avLst/>
+            </a:prstGeom>
+          </p:spPr>
+          <p:style>
+            <a:lnRef idx="2">
+              <a:schemeClr val="accent1"/>
+            </a:lnRef>
+            <a:fillRef idx="0">
+              <a:schemeClr val="accent1"/>
+            </a:fillRef>
+            <a:effectRef idx="1">
+              <a:schemeClr val="accent1"/>
+            </a:effectRef>
+            <a:fontRef idx="minor">
+              <a:schemeClr val="tx1"/>
+            </a:fontRef>
+          </p:style>
+        </p:cxnSp>
+        <p:sp>
+          <p:nvSpPr>
+            <p:cNvPr id="25" name="TextBox 24">
+              <a:extLst>
+                <a:ext uri="{FF2B5EF4-FFF2-40B4-BE49-F238E27FC236}">
+                  <a16:creationId xmlns:a16="http://schemas.microsoft.com/office/drawing/2014/main" id="{F6CC65C3-7507-EF90-CC8E-C58B044554A2}"/>
+                </a:ext>
+              </a:extLst>
+            </p:cNvPr>
+            <p:cNvSpPr txBox="1"/>
+            <p:nvPr/>
+          </p:nvSpPr>
+          <p:spPr>
+            <a:xfrm rot="16200000">
+              <a:off x="7428735" y="2073850"/>
+              <a:ext cx="861133" cy="369332"/>
+            </a:xfrm>
+            <a:prstGeom prst="rect">
+              <a:avLst/>
+            </a:prstGeom>
+            <a:noFill/>
+          </p:spPr>
+          <p:txBody>
+            <a:bodyPr wrap="none" rtlCol="0">
+              <a:spAutoFit/>
+            </a:bodyPr>
+            <a:lstStyle/>
+            <a:p>
+              <a:r>
+                <a:rPr lang="en-US" dirty="0"/>
+                <a:t>“</a:t>
+              </a:r>
+              <a:r>
+                <a:rPr lang="en-US" b="1" dirty="0">
+                  <a:latin typeface="Aptos Display" panose="020B0004020202020204" pitchFamily="34" charset="0"/>
+                </a:rPr>
+                <a:t>IDLE”</a:t>
+              </a:r>
+            </a:p>
+          </p:txBody>
+        </p:sp>
+        <p:sp>
+          <p:nvSpPr>
+            <p:cNvPr id="26" name="TextBox 25">
+              <a:extLst>
+                <a:ext uri="{FF2B5EF4-FFF2-40B4-BE49-F238E27FC236}">
+                  <a16:creationId xmlns:a16="http://schemas.microsoft.com/office/drawing/2014/main" id="{B7076912-7940-6286-43F5-66E09F0175E6}"/>
+                </a:ext>
+              </a:extLst>
+            </p:cNvPr>
+            <p:cNvSpPr txBox="1"/>
+            <p:nvPr/>
+          </p:nvSpPr>
+          <p:spPr>
+            <a:xfrm rot="16200000">
+              <a:off x="7765597" y="2179808"/>
+              <a:ext cx="1073051" cy="369332"/>
+            </a:xfrm>
+            <a:prstGeom prst="rect">
+              <a:avLst/>
+            </a:prstGeom>
+            <a:noFill/>
+          </p:spPr>
+          <p:txBody>
+            <a:bodyPr wrap="none" rtlCol="0">
+              <a:spAutoFit/>
+            </a:bodyPr>
+            <a:lstStyle/>
+            <a:p>
+              <a:r>
+                <a:rPr lang="en-US" dirty="0"/>
+                <a:t>“</a:t>
+              </a:r>
+              <a:r>
+                <a:rPr lang="en-US" b="1" dirty="0">
+                  <a:latin typeface="Aptos Display" panose="020B0004020202020204" pitchFamily="34" charset="0"/>
+                </a:rPr>
+                <a:t>LATCH”</a:t>
+              </a:r>
+            </a:p>
+          </p:txBody>
+        </p:sp>
+        <p:sp>
+          <p:nvSpPr>
+            <p:cNvPr id="27" name="TextBox 26">
+              <a:extLst>
+                <a:ext uri="{FF2B5EF4-FFF2-40B4-BE49-F238E27FC236}">
+                  <a16:creationId xmlns:a16="http://schemas.microsoft.com/office/drawing/2014/main" id="{A04D6783-0DBE-11B6-A841-55E7A3BBC4A9}"/>
+                </a:ext>
+              </a:extLst>
+            </p:cNvPr>
+            <p:cNvSpPr txBox="1"/>
+            <p:nvPr/>
+          </p:nvSpPr>
+          <p:spPr>
+            <a:xfrm>
+              <a:off x="8548580" y="1940192"/>
+              <a:ext cx="1392561" cy="369332"/>
+            </a:xfrm>
+            <a:prstGeom prst="rect">
+              <a:avLst/>
+            </a:prstGeom>
+            <a:noFill/>
+          </p:spPr>
+          <p:txBody>
+            <a:bodyPr wrap="none" rtlCol="0">
+              <a:spAutoFit/>
+            </a:bodyPr>
+            <a:lstStyle/>
+            <a:p>
+              <a:r>
+                <a:rPr lang="en-US" dirty="0"/>
+                <a:t>6-clk “</a:t>
+              </a:r>
+              <a:r>
+                <a:rPr lang="en-US" b="1" dirty="0">
+                  <a:latin typeface="Aptos Display" panose="020B0004020202020204" pitchFamily="34" charset="0"/>
+                </a:rPr>
+                <a:t>IDLE”</a:t>
+              </a:r>
+            </a:p>
+          </p:txBody>
+        </p:sp>
+        <p:sp>
+          <p:nvSpPr>
+            <p:cNvPr id="29" name="TextBox 28">
+              <a:extLst>
+                <a:ext uri="{FF2B5EF4-FFF2-40B4-BE49-F238E27FC236}">
+                  <a16:creationId xmlns:a16="http://schemas.microsoft.com/office/drawing/2014/main" id="{B542A46C-6393-AD68-3A57-7C06616CE90E}"/>
+                </a:ext>
+              </a:extLst>
+            </p:cNvPr>
+            <p:cNvSpPr txBox="1"/>
+            <p:nvPr/>
+          </p:nvSpPr>
+          <p:spPr>
+            <a:xfrm>
+              <a:off x="10543804" y="1940192"/>
+              <a:ext cx="1205523" cy="369332"/>
+            </a:xfrm>
+            <a:prstGeom prst="rect">
+              <a:avLst/>
+            </a:prstGeom>
+            <a:noFill/>
+          </p:spPr>
+          <p:txBody>
+            <a:bodyPr wrap="none" rtlCol="0">
+              <a:spAutoFit/>
+            </a:bodyPr>
+            <a:lstStyle/>
+            <a:p>
+              <a:r>
+                <a:rPr lang="en-US" dirty="0"/>
+                <a:t>Next Read</a:t>
+              </a:r>
+              <a:endParaRPr lang="en-US" b="1" dirty="0">
+                <a:latin typeface="Aptos Display" panose="020B0004020202020204" pitchFamily="34" charset="0"/>
+              </a:endParaRPr>
+            </a:p>
+          </p:txBody>
+        </p:sp>
+      </p:grpSp>
+    </p:spTree>
+    <p:extLst>
+      <p:ext uri="{BB962C8B-B14F-4D97-AF65-F5344CB8AC3E}">
+        <p14:creationId xmlns:p14="http://schemas.microsoft.com/office/powerpoint/2010/main" val="3828543347"/>
+      </p:ext>
+    </p:extLst>
+  </p:cSld>
+  <p:clrMapOvr>
+    <a:masterClrMapping/>
+  </p:clrMapOvr>
+</p:sld>
+</file>
+
 <file path=ppt/theme/theme1.xml><?xml version="1.0" encoding="utf-8"?>
 <a:theme xmlns:a="http://schemas.openxmlformats.org/drawingml/2006/main" name="Office Theme">
   <a:themeElements>
